--- a/R/LV_presentation.pptx
+++ b/R/LV_presentation.pptx
@@ -303,7 +303,7 @@
           <a:p>
             <a:fld id="{83C61F88-C10B-824E-AB28-AA703198280A}" type="datetimeFigureOut">
               <a:rPr lang="en-US" smtClean="0"/>
-              <a:t>23/03/2015</a:t>
+              <a:t>24/03/2015</a:t>
             </a:fld>
             <a:endParaRPr lang="en-US"/>
           </a:p>
@@ -473,7 +473,7 @@
           <a:p>
             <a:fld id="{83C61F88-C10B-824E-AB28-AA703198280A}" type="datetimeFigureOut">
               <a:rPr lang="en-US" smtClean="0"/>
-              <a:t>23/03/2015</a:t>
+              <a:t>24/03/2015</a:t>
             </a:fld>
             <a:endParaRPr lang="en-US"/>
           </a:p>
@@ -653,7 +653,7 @@
           <a:p>
             <a:fld id="{83C61F88-C10B-824E-AB28-AA703198280A}" type="datetimeFigureOut">
               <a:rPr lang="en-US" smtClean="0"/>
-              <a:t>23/03/2015</a:t>
+              <a:t>24/03/2015</a:t>
             </a:fld>
             <a:endParaRPr lang="en-US"/>
           </a:p>
@@ -823,7 +823,7 @@
           <a:p>
             <a:fld id="{83C61F88-C10B-824E-AB28-AA703198280A}" type="datetimeFigureOut">
               <a:rPr lang="en-US" smtClean="0"/>
-              <a:t>23/03/2015</a:t>
+              <a:t>24/03/2015</a:t>
             </a:fld>
             <a:endParaRPr lang="en-US"/>
           </a:p>
@@ -1069,7 +1069,7 @@
           <a:p>
             <a:fld id="{83C61F88-C10B-824E-AB28-AA703198280A}" type="datetimeFigureOut">
               <a:rPr lang="en-US" smtClean="0"/>
-              <a:t>23/03/2015</a:t>
+              <a:t>24/03/2015</a:t>
             </a:fld>
             <a:endParaRPr lang="en-US"/>
           </a:p>
@@ -1357,7 +1357,7 @@
           <a:p>
             <a:fld id="{83C61F88-C10B-824E-AB28-AA703198280A}" type="datetimeFigureOut">
               <a:rPr lang="en-US" smtClean="0"/>
-              <a:t>23/03/2015</a:t>
+              <a:t>24/03/2015</a:t>
             </a:fld>
             <a:endParaRPr lang="en-US"/>
           </a:p>
@@ -1779,7 +1779,7 @@
           <a:p>
             <a:fld id="{83C61F88-C10B-824E-AB28-AA703198280A}" type="datetimeFigureOut">
               <a:rPr lang="en-US" smtClean="0"/>
-              <a:t>23/03/2015</a:t>
+              <a:t>24/03/2015</a:t>
             </a:fld>
             <a:endParaRPr lang="en-US"/>
           </a:p>
@@ -1897,7 +1897,7 @@
           <a:p>
             <a:fld id="{83C61F88-C10B-824E-AB28-AA703198280A}" type="datetimeFigureOut">
               <a:rPr lang="en-US" smtClean="0"/>
-              <a:t>23/03/2015</a:t>
+              <a:t>24/03/2015</a:t>
             </a:fld>
             <a:endParaRPr lang="en-US"/>
           </a:p>
@@ -1992,7 +1992,7 @@
           <a:p>
             <a:fld id="{83C61F88-C10B-824E-AB28-AA703198280A}" type="datetimeFigureOut">
               <a:rPr lang="en-US" smtClean="0"/>
-              <a:t>23/03/2015</a:t>
+              <a:t>24/03/2015</a:t>
             </a:fld>
             <a:endParaRPr lang="en-US"/>
           </a:p>
@@ -2269,7 +2269,7 @@
           <a:p>
             <a:fld id="{83C61F88-C10B-824E-AB28-AA703198280A}" type="datetimeFigureOut">
               <a:rPr lang="en-US" smtClean="0"/>
-              <a:t>23/03/2015</a:t>
+              <a:t>24/03/2015</a:t>
             </a:fld>
             <a:endParaRPr lang="en-US"/>
           </a:p>
@@ -2522,7 +2522,7 @@
           <a:p>
             <a:fld id="{83C61F88-C10B-824E-AB28-AA703198280A}" type="datetimeFigureOut">
               <a:rPr lang="en-US" smtClean="0"/>
-              <a:t>23/03/2015</a:t>
+              <a:t>24/03/2015</a:t>
             </a:fld>
             <a:endParaRPr lang="en-US"/>
           </a:p>
@@ -2735,7 +2735,7 @@
           <a:p>
             <a:fld id="{83C61F88-C10B-824E-AB28-AA703198280A}" type="datetimeFigureOut">
               <a:rPr lang="en-US" smtClean="0"/>
-              <a:t>23/03/2015</a:t>
+              <a:t>24/03/2015</a:t>
             </a:fld>
             <a:endParaRPr lang="en-US"/>
           </a:p>
@@ -3120,14 +3120,47 @@
             <p:ph type="ctrTitle"/>
           </p:nvPr>
         </p:nvSpPr>
-        <p:spPr/>
-        <p:txBody>
-          <a:bodyPr/>
+        <p:spPr>
+          <a:xfrm>
+            <a:off x="685800" y="2130425"/>
+            <a:ext cx="7772400" cy="1755775"/>
+          </a:xfrm>
+        </p:spPr>
+        <p:txBody>
+          <a:bodyPr>
+            <a:normAutofit fontScale="90000"/>
+          </a:bodyPr>
           <a:lstStyle/>
           <a:p>
             <a:r>
               <a:rPr lang="en-US" dirty="0" smtClean="0"/>
-              <a:t>Lending Club Predictive Model</a:t>
+              <a:t>Lending </a:t>
+            </a:r>
+            <a:r>
+              <a:rPr lang="en-US" dirty="0" smtClean="0"/>
+              <a:t>Club Predictive </a:t>
+            </a:r>
+            <a:r>
+              <a:rPr lang="en-US" dirty="0" smtClean="0"/>
+              <a:t>Model</a:t>
+            </a:r>
+            <a:br>
+              <a:rPr lang="en-US" dirty="0" smtClean="0"/>
+            </a:br>
+            <a:r>
+              <a:rPr lang="en-US" dirty="0" smtClean="0"/>
+              <a:t>By</a:t>
+            </a:r>
+            <a:br>
+              <a:rPr lang="en-US" dirty="0" smtClean="0"/>
+            </a:br>
+            <a:r>
+              <a:rPr lang="en-US" dirty="0" err="1" smtClean="0"/>
+              <a:t>Darshan</a:t>
+            </a:r>
+            <a:r>
+              <a:rPr lang="en-US" dirty="0" smtClean="0"/>
+              <a:t> Singh</a:t>
             </a:r>
             <a:endParaRPr lang="en-US" dirty="0"/>
           </a:p>
@@ -3224,7 +3257,12 @@
             <p:ph idx="1"/>
           </p:nvPr>
         </p:nvSpPr>
-        <p:spPr/>
+        <p:spPr>
+          <a:xfrm>
+            <a:off x="457200" y="1600201"/>
+            <a:ext cx="8229600" cy="3743960"/>
+          </a:xfrm>
+        </p:spPr>
         <p:txBody>
           <a:bodyPr>
             <a:normAutofit/>
@@ -3259,7 +3297,15 @@
             </a:r>
             <a:r>
               <a:rPr lang="en-US" dirty="0"/>
-              <a:t> and KS scores</a:t>
+              <a:t> </a:t>
+            </a:r>
+            <a:r>
+              <a:rPr lang="en-US" dirty="0" smtClean="0"/>
+              <a:t>coefficient and </a:t>
+            </a:r>
+            <a:r>
+              <a:rPr lang="en-US" dirty="0"/>
+              <a:t>KS scores</a:t>
             </a:r>
             <a:r>
               <a:rPr lang="en-US" dirty="0" smtClean="0"/>
@@ -3938,7 +3984,12 @@
             <p:ph idx="1"/>
           </p:nvPr>
         </p:nvSpPr>
-        <p:spPr/>
+        <p:spPr>
+          <a:xfrm>
+            <a:off x="457200" y="1600201"/>
+            <a:ext cx="8229600" cy="2717800"/>
+          </a:xfrm>
+        </p:spPr>
         <p:txBody>
           <a:bodyPr/>
           <a:lstStyle/>
@@ -3957,15 +4008,13 @@
           <a:p>
             <a:r>
               <a:rPr lang="en-US" dirty="0" smtClean="0"/>
-              <a:t>84% Credit worthiness and remaining non creditworthiness</a:t>
-            </a:r>
-          </a:p>
-          <a:p>
+              <a:t>84% Credit worthiness and remaining non </a:t>
+            </a:r>
             <a:r>
               <a:rPr lang="en-US" dirty="0" smtClean="0"/>
-              <a:t>It has class imbalance problem but not so severe.</a:t>
-            </a:r>
-            <a:endParaRPr lang="en-US" dirty="0"/>
+              <a:t>creditworthiness.</a:t>
+            </a:r>
+            <a:endParaRPr lang="en-US" dirty="0" smtClean="0"/>
           </a:p>
         </p:txBody>
       </p:sp>
@@ -4053,7 +4102,11 @@
           <a:p>
             <a:r>
               <a:rPr lang="en-US" dirty="0" smtClean="0"/>
-              <a:t>Predictive model tries to balance between actual user with default and users with no defaults.</a:t>
+              <a:t>Predictive </a:t>
+            </a:r>
+            <a:r>
+              <a:rPr lang="en-US" dirty="0" smtClean="0"/>
+              <a:t>model tries to balance between actual user with default and users with no defaults.</a:t>
             </a:r>
           </a:p>
           <a:p>
@@ -4640,7 +4693,11 @@
           <a:p>
             <a:r>
               <a:rPr lang="en-US" dirty="0" smtClean="0"/>
-              <a:t>Exploratory Analysis</a:t>
+              <a:t>Exploratory </a:t>
+            </a:r>
+            <a:r>
+              <a:rPr lang="en-US" dirty="0" smtClean="0"/>
+              <a:t>Analysis Summary</a:t>
             </a:r>
             <a:endParaRPr lang="en-US" dirty="0"/>
           </a:p>
@@ -4659,7 +4716,7 @@
         <p:spPr/>
         <p:txBody>
           <a:bodyPr>
-            <a:normAutofit/>
+            <a:normAutofit fontScale="92500" lnSpcReduction="20000"/>
           </a:bodyPr>
           <a:lstStyle/>
           <a:p>
@@ -4687,8 +4744,19 @@
           <a:p>
             <a:r>
               <a:rPr lang="en-US" dirty="0"/>
-              <a:t>Usually the same pattern is shown by different features for same data.</a:t>
-            </a:r>
+              <a:t>Usually the same pattern is shown by different features for same data</a:t>
+            </a:r>
+            <a:r>
+              <a:rPr lang="en-US" dirty="0" smtClean="0"/>
+              <a:t>.</a:t>
+            </a:r>
+          </a:p>
+          <a:p>
+            <a:r>
+              <a:rPr lang="en-US" dirty="0" smtClean="0"/>
+              <a:t>There is class imbalance as the uncreditworthy has just around 15-16% data whereas creditworthy has rest of the data. </a:t>
+            </a:r>
+            <a:endParaRPr lang="en-US" dirty="0"/>
           </a:p>
           <a:p>
             <a:endParaRPr lang="en-US" dirty="0" smtClean="0"/>
@@ -4799,7 +4867,11 @@
           <a:p>
             <a:r>
               <a:rPr lang="en-US" dirty="0" smtClean="0"/>
-              <a:t>Used Logistic regression for importance of features.</a:t>
+              <a:t>Used Logistic regression for importance of </a:t>
+            </a:r>
+            <a:r>
+              <a:rPr lang="en-US" dirty="0" smtClean="0"/>
+              <a:t>features for single as well as interaction terms.</a:t>
             </a:r>
             <a:endParaRPr lang="en-US" dirty="0"/>
           </a:p>
